--- a/Presentations/Mock Defense - March 6, 2018.pptx
+++ b/Presentations/Mock Defense - March 6, 2018.pptx
@@ -13,10 +13,11 @@
     <p:sldId id="260" r:id="rId7"/>
     <p:sldId id="261" r:id="rId8"/>
     <p:sldId id="263" r:id="rId9"/>
-    <p:sldId id="264" r:id="rId10"/>
-    <p:sldId id="265" r:id="rId11"/>
-    <p:sldId id="266" r:id="rId12"/>
-    <p:sldId id="267" r:id="rId13"/>
+    <p:sldId id="268" r:id="rId10"/>
+    <p:sldId id="264" r:id="rId11"/>
+    <p:sldId id="265" r:id="rId12"/>
+    <p:sldId id="266" r:id="rId13"/>
+    <p:sldId id="267" r:id="rId14"/>
   </p:sldIdLst>
   <p:sldSz cx="12192000" cy="6858000"/>
   <p:notesSz cx="6858000" cy="9144000"/>
@@ -4093,6 +4094,82 @@
           <a:p>
             <a:r>
               <a:rPr lang="en-US" dirty="0"/>
+              <a:t>Convolutional Neural Network</a:t>
+            </a:r>
+            <a:endParaRPr lang="en-PH" dirty="0"/>
+          </a:p>
+        </p:txBody>
+      </p:sp>
+    </p:spTree>
+    <p:extLst>
+      <p:ext uri="{BB962C8B-B14F-4D97-AF65-F5344CB8AC3E}">
+        <p14:creationId xmlns:p14="http://schemas.microsoft.com/office/powerpoint/2010/main" val="2651450882"/>
+      </p:ext>
+    </p:extLst>
+  </p:cSld>
+  <p:clrMapOvr>
+    <a:masterClrMapping/>
+  </p:clrMapOvr>
+</p:sld>
+</file>
+
+<file path=ppt/slides/slide11.xml><?xml version="1.0" encoding="utf-8"?>
+<p:sld xmlns:a="http://schemas.openxmlformats.org/drawingml/2006/main" xmlns:r="http://schemas.openxmlformats.org/officeDocument/2006/relationships" xmlns:p="http://schemas.openxmlformats.org/presentationml/2006/main">
+  <p:cSld>
+    <p:spTree>
+      <p:nvGrpSpPr>
+        <p:cNvPr id="1" name=""/>
+        <p:cNvGrpSpPr/>
+        <p:nvPr/>
+      </p:nvGrpSpPr>
+      <p:grpSpPr>
+        <a:xfrm>
+          <a:off x="0" y="0"/>
+          <a:ext cx="0" cy="0"/>
+          <a:chOff x="0" y="0"/>
+          <a:chExt cx="0" cy="0"/>
+        </a:xfrm>
+      </p:grpSpPr>
+      <p:sp>
+        <p:nvSpPr>
+          <p:cNvPr id="4" name="Title 3"/>
+          <p:cNvSpPr>
+            <a:spLocks noGrp="1"/>
+          </p:cNvSpPr>
+          <p:nvPr>
+            <p:ph type="title"/>
+          </p:nvPr>
+        </p:nvSpPr>
+        <p:spPr/>
+        <p:txBody>
+          <a:bodyPr/>
+          <a:lstStyle/>
+          <a:p>
+            <a:r>
+              <a:rPr lang="en-US" dirty="0"/>
+              <a:t>2.2 Approaches</a:t>
+            </a:r>
+            <a:endParaRPr lang="en-PH" dirty="0"/>
+          </a:p>
+        </p:txBody>
+      </p:sp>
+      <p:sp>
+        <p:nvSpPr>
+          <p:cNvPr id="6" name="Content Placeholder 5"/>
+          <p:cNvSpPr>
+            <a:spLocks noGrp="1"/>
+          </p:cNvSpPr>
+          <p:nvPr>
+            <p:ph idx="1"/>
+          </p:nvPr>
+        </p:nvSpPr>
+        <p:spPr/>
+        <p:txBody>
+          <a:bodyPr/>
+          <a:lstStyle/>
+          <a:p>
+            <a:r>
+              <a:rPr lang="en-US" dirty="0"/>
               <a:t>Fully Convolutional Network</a:t>
             </a:r>
             <a:endParaRPr lang="en-PH" dirty="0"/>
@@ -4112,7 +4189,7 @@
 </p:sld>
 </file>
 
-<file path=ppt/slides/slide11.xml><?xml version="1.0" encoding="utf-8"?>
+<file path=ppt/slides/slide12.xml><?xml version="1.0" encoding="utf-8"?>
 <p:sld xmlns:a="http://schemas.openxmlformats.org/drawingml/2006/main" xmlns:r="http://schemas.openxmlformats.org/officeDocument/2006/relationships" xmlns:p="http://schemas.openxmlformats.org/presentationml/2006/main">
   <p:cSld>
     <p:spTree>
@@ -4903,7 +4980,7 @@
 </p:sld>
 </file>
 
-<file path=ppt/slides/slide12.xml><?xml version="1.0" encoding="utf-8"?>
+<file path=ppt/slides/slide13.xml><?xml version="1.0" encoding="utf-8"?>
 <p:sld xmlns:a="http://schemas.openxmlformats.org/drawingml/2006/main" xmlns:r="http://schemas.openxmlformats.org/officeDocument/2006/relationships" xmlns:p="http://schemas.openxmlformats.org/presentationml/2006/main">
   <p:cSld>
     <p:spTree>
@@ -9382,35 +9459,41 @@
           </a:p>
         </p:txBody>
       </p:sp>
-      <p:pic>
-        <p:nvPicPr>
-          <p:cNvPr id="3" name="Content Placeholder 2">
+      <p:sp>
+        <p:nvSpPr>
+          <p:cNvPr id="5" name="Content Placeholder 4">
             <a:extLst>
               <a:ext uri="{FF2B5EF4-FFF2-40B4-BE49-F238E27FC236}">
-                <a16:creationId xmlns:a16="http://schemas.microsoft.com/office/drawing/2014/main" id="{2238EB27-DE1D-463A-84B3-CBC9BF23ABCE}"/>
+                <a16:creationId xmlns:a16="http://schemas.microsoft.com/office/drawing/2014/main" id="{6B36A70C-FDDB-4CF9-8367-FDA49BACD1A2}"/>
               </a:ext>
             </a:extLst>
           </p:cNvPr>
-          <p:cNvPicPr>
-            <a:picLocks noGrp="1" noChangeAspect="1"/>
-          </p:cNvPicPr>
+          <p:cNvSpPr>
+            <a:spLocks noGrp="1"/>
+          </p:cNvSpPr>
           <p:nvPr>
             <p:ph idx="1"/>
           </p:nvPr>
-        </p:nvPicPr>
-        <p:blipFill>
-          <a:blip r:embed="rId2"/>
-          <a:stretch>
-            <a:fillRect/>
-          </a:stretch>
-        </p:blipFill>
-        <p:spPr>
-          <a:xfrm>
-            <a:off x="1978152" y="2623365"/>
-            <a:ext cx="6106377" cy="2476846"/>
-          </a:xfrm>
-        </p:spPr>
-      </p:pic>
+        </p:nvSpPr>
+        <p:spPr/>
+        <p:txBody>
+          <a:bodyPr/>
+          <a:lstStyle/>
+          <a:p>
+            <a:r>
+              <a:rPr lang="en-US" dirty="0"/>
+              <a:t>Understanding an image before drawing any insights.</a:t>
+            </a:r>
+          </a:p>
+          <a:p>
+            <a:r>
+              <a:rPr lang="en-US" dirty="0"/>
+              <a:t>Understanding the relationships that are in play towards the subject.</a:t>
+            </a:r>
+            <a:endParaRPr lang="en-PH" dirty="0"/>
+          </a:p>
+        </p:txBody>
+      </p:sp>
     </p:spTree>
     <p:extLst>
       <p:ext uri="{BB962C8B-B14F-4D97-AF65-F5344CB8AC3E}">
@@ -9443,7 +9526,13 @@
       </p:grpSpPr>
       <p:sp>
         <p:nvSpPr>
-          <p:cNvPr id="4" name="Title 3"/>
+          <p:cNvPr id="2" name="Title 1">
+            <a:extLst>
+              <a:ext uri="{FF2B5EF4-FFF2-40B4-BE49-F238E27FC236}">
+                <a16:creationId xmlns:a16="http://schemas.microsoft.com/office/drawing/2014/main" id="{C8CFB18C-C30E-4447-87F9-95D204599D0A}"/>
+              </a:ext>
+            </a:extLst>
+          </p:cNvPr>
           <p:cNvSpPr>
             <a:spLocks noGrp="1"/>
           </p:cNvSpPr>
@@ -9456,17 +9545,19 @@
           <a:bodyPr/>
           <a:lstStyle/>
           <a:p>
-            <a:r>
-              <a:rPr lang="en-US" dirty="0"/>
-              <a:t>2.2 Approaches</a:t>
-            </a:r>
             <a:endParaRPr lang="en-PH" dirty="0"/>
           </a:p>
         </p:txBody>
       </p:sp>
       <p:sp>
         <p:nvSpPr>
-          <p:cNvPr id="6" name="Content Placeholder 5"/>
+          <p:cNvPr id="3" name="Content Placeholder 2">
+            <a:extLst>
+              <a:ext uri="{FF2B5EF4-FFF2-40B4-BE49-F238E27FC236}">
+                <a16:creationId xmlns:a16="http://schemas.microsoft.com/office/drawing/2014/main" id="{0F95CED2-7810-43B0-B5F3-57D6C0BFAB13}"/>
+              </a:ext>
+            </a:extLst>
+          </p:cNvPr>
           <p:cNvSpPr>
             <a:spLocks noGrp="1"/>
           </p:cNvSpPr>
@@ -9479,18 +9570,14 @@
           <a:bodyPr/>
           <a:lstStyle/>
           <a:p>
-            <a:r>
-              <a:rPr lang="en-US" dirty="0"/>
-              <a:t>Convolutional Neural Network</a:t>
-            </a:r>
-            <a:endParaRPr lang="en-PH" dirty="0"/>
+            <a:endParaRPr lang="en-PH"/>
           </a:p>
         </p:txBody>
       </p:sp>
     </p:spTree>
     <p:extLst>
       <p:ext uri="{BB962C8B-B14F-4D97-AF65-F5344CB8AC3E}">
-        <p14:creationId xmlns:p14="http://schemas.microsoft.com/office/powerpoint/2010/main" val="2651450882"/>
+        <p14:creationId xmlns:p14="http://schemas.microsoft.com/office/powerpoint/2010/main" val="1011129709"/>
       </p:ext>
     </p:extLst>
   </p:cSld>
